--- a/trunk/docs/presentation/planning.pptx
+++ b/trunk/docs/presentation/planning.pptx
@@ -8243,12 +8243,12 @@
               <a:t>) = </a:t>
             </a:r>
             <a:r>
-              <a:rPr lang="en-US" smtClean="0"/>
-              <a:t>ε </a:t>
+              <a:rPr lang="en-US" dirty="0" err="1" smtClean="0"/>
+              <a:t>ε</a:t>
             </a:r>
             <a:r>
               <a:rPr lang="en-US" dirty="0" smtClean="0"/>
-              <a:t>into their directional maps.</a:t>
+              <a:t> into their directional maps.</a:t>
             </a:r>
             <a:endParaRPr lang="en-US" dirty="0"/>
           </a:p>

--- a/trunk/docs/presentation/planning.pptx
+++ b/trunk/docs/presentation/planning.pptx
@@ -2,15 +2,16 @@
 <file path=ppt/presentation.xml><?xml version="1.0" encoding="utf-8"?>
 <p:presentation xmlns:a="http://schemas.openxmlformats.org/drawingml/2006/main" xmlns:r="http://schemas.openxmlformats.org/officeDocument/2006/relationships" xmlns:mc="http://schemas.openxmlformats.org/markup-compatibility/2006" xmlns:mv="urn:schemas-microsoft-com:mac:vml" xmlns:p="http://schemas.openxmlformats.org/presentationml/2006/main" mc:Ignorable="mv" mc:PreserveAttributes="mv:*" saveSubsetFonts="1" autoCompressPictures="0">
   <p:sldMasterIdLst>
-    <p:sldMasterId r:id="rId1"/>
+    <p:sldMasterId id="2147483648" r:id="rId1"/>
   </p:sldMasterIdLst>
   <p:sldIdLst>
     <p:sldId id="256" r:id="rId2"/>
     <p:sldId id="257" r:id="rId3"/>
     <p:sldId id="258" r:id="rId4"/>
     <p:sldId id="259" r:id="rId5"/>
-    <p:sldId id="260" r:id="rId6"/>
-    <p:sldId id="261" r:id="rId7"/>
+    <p:sldId id="261" r:id="rId6"/>
+    <p:sldId id="260" r:id="rId7"/>
+    <p:sldId id="262" r:id="rId8"/>
   </p:sldIdLst>
   <p:sldSz cx="9144000" cy="6858000" type="screen4x3"/>
   <p:notesSz cx="6858000" cy="9144000"/>
@@ -293,7 +294,8 @@
           <a:p>
             <a:fld id="{D34D3E3C-4F11-A747-BE4B-37AC5E25D7D5}" type="datetimeFigureOut">
               <a:rPr lang="en-US" smtClean="0"/>
-              <a:t>4/24/10</a:t>
+              <a:pPr/>
+              <a:t>4/27/10</a:t>
             </a:fld>
             <a:endParaRPr lang="en-US"/>
           </a:p>
@@ -335,6 +337,7 @@
           <a:p>
             <a:fld id="{338271AC-0D60-1545-B696-CB0E52E91C1C}" type="slidenum">
               <a:rPr lang="en-US" smtClean="0"/>
+              <a:pPr/>
               <a:t>‹#›</a:t>
             </a:fld>
             <a:endParaRPr lang="en-US"/>
@@ -458,7 +461,8 @@
           <a:p>
             <a:fld id="{D34D3E3C-4F11-A747-BE4B-37AC5E25D7D5}" type="datetimeFigureOut">
               <a:rPr lang="en-US" smtClean="0"/>
-              <a:t>4/24/10</a:t>
+              <a:pPr/>
+              <a:t>4/27/10</a:t>
             </a:fld>
             <a:endParaRPr lang="en-US"/>
           </a:p>
@@ -500,6 +504,7 @@
           <a:p>
             <a:fld id="{338271AC-0D60-1545-B696-CB0E52E91C1C}" type="slidenum">
               <a:rPr lang="en-US" smtClean="0"/>
+              <a:pPr/>
               <a:t>‹#›</a:t>
             </a:fld>
             <a:endParaRPr lang="en-US"/>
@@ -633,7 +638,8 @@
           <a:p>
             <a:fld id="{D34D3E3C-4F11-A747-BE4B-37AC5E25D7D5}" type="datetimeFigureOut">
               <a:rPr lang="en-US" smtClean="0"/>
-              <a:t>4/24/10</a:t>
+              <a:pPr/>
+              <a:t>4/27/10</a:t>
             </a:fld>
             <a:endParaRPr lang="en-US"/>
           </a:p>
@@ -675,6 +681,7 @@
           <a:p>
             <a:fld id="{338271AC-0D60-1545-B696-CB0E52E91C1C}" type="slidenum">
               <a:rPr lang="en-US" smtClean="0"/>
+              <a:pPr/>
               <a:t>‹#›</a:t>
             </a:fld>
             <a:endParaRPr lang="en-US"/>
@@ -798,7 +805,8 @@
           <a:p>
             <a:fld id="{D34D3E3C-4F11-A747-BE4B-37AC5E25D7D5}" type="datetimeFigureOut">
               <a:rPr lang="en-US" smtClean="0"/>
-              <a:t>4/24/10</a:t>
+              <a:pPr/>
+              <a:t>4/27/10</a:t>
             </a:fld>
             <a:endParaRPr lang="en-US"/>
           </a:p>
@@ -840,6 +848,7 @@
           <a:p>
             <a:fld id="{338271AC-0D60-1545-B696-CB0E52E91C1C}" type="slidenum">
               <a:rPr lang="en-US" smtClean="0"/>
+              <a:pPr/>
               <a:t>‹#›</a:t>
             </a:fld>
             <a:endParaRPr lang="en-US"/>
@@ -1039,7 +1048,8 @@
           <a:p>
             <a:fld id="{D34D3E3C-4F11-A747-BE4B-37AC5E25D7D5}" type="datetimeFigureOut">
               <a:rPr lang="en-US" smtClean="0"/>
-              <a:t>4/24/10</a:t>
+              <a:pPr/>
+              <a:t>4/27/10</a:t>
             </a:fld>
             <a:endParaRPr lang="en-US"/>
           </a:p>
@@ -1081,6 +1091,7 @@
           <a:p>
             <a:fld id="{338271AC-0D60-1545-B696-CB0E52E91C1C}" type="slidenum">
               <a:rPr lang="en-US" smtClean="0"/>
+              <a:pPr/>
               <a:t>‹#›</a:t>
             </a:fld>
             <a:endParaRPr lang="en-US"/>
@@ -1322,7 +1333,8 @@
           <a:p>
             <a:fld id="{D34D3E3C-4F11-A747-BE4B-37AC5E25D7D5}" type="datetimeFigureOut">
               <a:rPr lang="en-US" smtClean="0"/>
-              <a:t>4/24/10</a:t>
+              <a:pPr/>
+              <a:t>4/27/10</a:t>
             </a:fld>
             <a:endParaRPr lang="en-US"/>
           </a:p>
@@ -1364,6 +1376,7 @@
           <a:p>
             <a:fld id="{338271AC-0D60-1545-B696-CB0E52E91C1C}" type="slidenum">
               <a:rPr lang="en-US" smtClean="0"/>
+              <a:pPr/>
               <a:t>‹#›</a:t>
             </a:fld>
             <a:endParaRPr lang="en-US"/>
@@ -1739,7 +1752,8 @@
           <a:p>
             <a:fld id="{D34D3E3C-4F11-A747-BE4B-37AC5E25D7D5}" type="datetimeFigureOut">
               <a:rPr lang="en-US" smtClean="0"/>
-              <a:t>4/24/10</a:t>
+              <a:pPr/>
+              <a:t>4/27/10</a:t>
             </a:fld>
             <a:endParaRPr lang="en-US"/>
           </a:p>
@@ -1781,6 +1795,7 @@
           <a:p>
             <a:fld id="{338271AC-0D60-1545-B696-CB0E52E91C1C}" type="slidenum">
               <a:rPr lang="en-US" smtClean="0"/>
+              <a:pPr/>
               <a:t>‹#›</a:t>
             </a:fld>
             <a:endParaRPr lang="en-US"/>
@@ -1852,7 +1867,8 @@
           <a:p>
             <a:fld id="{D34D3E3C-4F11-A747-BE4B-37AC5E25D7D5}" type="datetimeFigureOut">
               <a:rPr lang="en-US" smtClean="0"/>
-              <a:t>4/24/10</a:t>
+              <a:pPr/>
+              <a:t>4/27/10</a:t>
             </a:fld>
             <a:endParaRPr lang="en-US"/>
           </a:p>
@@ -1894,6 +1910,7 @@
           <a:p>
             <a:fld id="{338271AC-0D60-1545-B696-CB0E52E91C1C}" type="slidenum">
               <a:rPr lang="en-US" smtClean="0"/>
+              <a:pPr/>
               <a:t>‹#›</a:t>
             </a:fld>
             <a:endParaRPr lang="en-US"/>
@@ -1942,7 +1959,8 @@
           <a:p>
             <a:fld id="{D34D3E3C-4F11-A747-BE4B-37AC5E25D7D5}" type="datetimeFigureOut">
               <a:rPr lang="en-US" smtClean="0"/>
-              <a:t>4/24/10</a:t>
+              <a:pPr/>
+              <a:t>4/27/10</a:t>
             </a:fld>
             <a:endParaRPr lang="en-US"/>
           </a:p>
@@ -1984,6 +2002,7 @@
           <a:p>
             <a:fld id="{338271AC-0D60-1545-B696-CB0E52E91C1C}" type="slidenum">
               <a:rPr lang="en-US" smtClean="0"/>
+              <a:pPr/>
               <a:t>‹#›</a:t>
             </a:fld>
             <a:endParaRPr lang="en-US"/>
@@ -2214,7 +2233,8 @@
           <a:p>
             <a:fld id="{D34D3E3C-4F11-A747-BE4B-37AC5E25D7D5}" type="datetimeFigureOut">
               <a:rPr lang="en-US" smtClean="0"/>
-              <a:t>4/24/10</a:t>
+              <a:pPr/>
+              <a:t>4/27/10</a:t>
             </a:fld>
             <a:endParaRPr lang="en-US"/>
           </a:p>
@@ -2256,6 +2276,7 @@
           <a:p>
             <a:fld id="{338271AC-0D60-1545-B696-CB0E52E91C1C}" type="slidenum">
               <a:rPr lang="en-US" smtClean="0"/>
+              <a:pPr/>
               <a:t>‹#›</a:t>
             </a:fld>
             <a:endParaRPr lang="en-US"/>
@@ -2462,7 +2483,8 @@
           <a:p>
             <a:fld id="{D34D3E3C-4F11-A747-BE4B-37AC5E25D7D5}" type="datetimeFigureOut">
               <a:rPr lang="en-US" smtClean="0"/>
-              <a:t>4/24/10</a:t>
+              <a:pPr/>
+              <a:t>4/27/10</a:t>
             </a:fld>
             <a:endParaRPr lang="en-US"/>
           </a:p>
@@ -2504,6 +2526,7 @@
           <a:p>
             <a:fld id="{338271AC-0D60-1545-B696-CB0E52E91C1C}" type="slidenum">
               <a:rPr lang="en-US" smtClean="0"/>
+              <a:pPr/>
               <a:t>‹#›</a:t>
             </a:fld>
             <a:endParaRPr lang="en-US"/>
@@ -2670,7 +2693,8 @@
           <a:p>
             <a:fld id="{D34D3E3C-4F11-A747-BE4B-37AC5E25D7D5}" type="datetimeFigureOut">
               <a:rPr lang="en-US" smtClean="0"/>
-              <a:t>4/24/10</a:t>
+              <a:pPr/>
+              <a:t>4/27/10</a:t>
             </a:fld>
             <a:endParaRPr lang="en-US"/>
           </a:p>
@@ -2748,6 +2772,7 @@
           <a:p>
             <a:fld id="{338271AC-0D60-1545-B696-CB0E52E91C1C}" type="slidenum">
               <a:rPr lang="en-US" smtClean="0"/>
+              <a:pPr/>
               <a:t>‹#›</a:t>
             </a:fld>
             <a:endParaRPr lang="en-US"/>
@@ -2758,17 +2783,17 @@
   </p:cSld>
   <p:clrMap bg1="lt1" tx1="dk1" bg2="lt2" tx2="dk2" accent1="accent1" accent2="accent2" accent3="accent3" accent4="accent4" accent5="accent5" accent6="accent6" hlink="hlink" folHlink="folHlink"/>
   <p:sldLayoutIdLst>
-    <p:sldLayoutId r:id="rId1"/>
-    <p:sldLayoutId r:id="rId2"/>
-    <p:sldLayoutId r:id="rId3"/>
-    <p:sldLayoutId r:id="rId4"/>
-    <p:sldLayoutId r:id="rId5"/>
-    <p:sldLayoutId r:id="rId6"/>
-    <p:sldLayoutId r:id="rId7"/>
-    <p:sldLayoutId r:id="rId8"/>
-    <p:sldLayoutId r:id="rId9"/>
-    <p:sldLayoutId r:id="rId10"/>
-    <p:sldLayoutId r:id="rId11"/>
+    <p:sldLayoutId id="2147483649" r:id="rId1"/>
+    <p:sldLayoutId id="2147483650" r:id="rId2"/>
+    <p:sldLayoutId id="2147483651" r:id="rId3"/>
+    <p:sldLayoutId id="2147483652" r:id="rId4"/>
+    <p:sldLayoutId id="2147483653" r:id="rId5"/>
+    <p:sldLayoutId id="2147483654" r:id="rId6"/>
+    <p:sldLayoutId id="2147483655" r:id="rId7"/>
+    <p:sldLayoutId id="2147483656" r:id="rId8"/>
+    <p:sldLayoutId id="2147483657" r:id="rId9"/>
+    <p:sldLayoutId id="2147483658" r:id="rId10"/>
+    <p:sldLayoutId id="2147483659" r:id="rId11"/>
   </p:sldLayoutIdLst>
   <p:txStyles>
     <p:titleStyle>
@@ -3229,11 +3254,6 @@
               </a:rPr>
               <a:t> Intuition: Larger steps in uncluttered regions, smaller steps in cluttered ones.</a:t>
             </a:r>
-            <a:endParaRPr lang="en-US" sz="2000" dirty="0" smtClean="0">
-              <a:solidFill>
-                <a:schemeClr val="tx1"/>
-              </a:solidFill>
-            </a:endParaRPr>
           </a:p>
           <a:p>
             <a:pPr algn="l">
@@ -3262,15 +3282,7 @@
                   <a:schemeClr val="tx1"/>
                 </a:solidFill>
               </a:rPr>
-              <a:t> at each node?</a:t>
-            </a:r>
-            <a:r>
-              <a:rPr lang="en-US" sz="2000" dirty="0" smtClean="0">
-                <a:solidFill>
-                  <a:schemeClr val="tx1"/>
-                </a:solidFill>
-              </a:rPr>
-              <a:t>      </a:t>
+              <a:t> at each node?      </a:t>
             </a:r>
             <a:r>
               <a:rPr lang="en-US" sz="2000" dirty="0" smtClean="0"/>
@@ -6118,11 +6130,7 @@
             </a:r>
             <a:r>
               <a:rPr lang="en-US" sz="1200" dirty="0" err="1" smtClean="0"/>
-              <a:t>m(</a:t>
-            </a:r>
-            <a:r>
-              <a:rPr lang="en-US" sz="1200" dirty="0" err="1" smtClean="0"/>
-              <a:t>Θ</a:t>
+              <a:t>m(Θ</a:t>
             </a:r>
             <a:r>
               <a:rPr lang="en-US" sz="1200" i="1" dirty="0" smtClean="0"/>
@@ -6640,19 +6648,11 @@
             </a:r>
             <a:r>
               <a:rPr lang="en-US" sz="1200" dirty="0" err="1" smtClean="0"/>
-              <a:t>m(</a:t>
-            </a:r>
-            <a:r>
-              <a:rPr lang="en-US" sz="1200" dirty="0" err="1" smtClean="0"/>
-              <a:t>Θ</a:t>
+              <a:t>m(Θ</a:t>
             </a:r>
             <a:r>
               <a:rPr lang="en-US" sz="1200" dirty="0" smtClean="0"/>
-              <a:t>)</a:t>
-            </a:r>
-            <a:r>
-              <a:rPr lang="en-US" sz="1200" dirty="0" smtClean="0"/>
-              <a:t> </a:t>
+              <a:t>) </a:t>
             </a:r>
             <a:endParaRPr lang="en-US" sz="1200" dirty="0"/>
           </a:p>
@@ -6686,11 +6686,7 @@
             </a:r>
             <a:r>
               <a:rPr lang="en-US" sz="1200" dirty="0" err="1" smtClean="0"/>
-              <a:t>m(</a:t>
-            </a:r>
-            <a:r>
-              <a:rPr lang="en-US" sz="1200" dirty="0" err="1" smtClean="0"/>
-              <a:t>Θ</a:t>
+              <a:t>m(Θ</a:t>
             </a:r>
             <a:r>
               <a:rPr lang="en-US" sz="1200" i="1" dirty="0" smtClean="0"/>
@@ -6698,11 +6694,7 @@
             </a:r>
             <a:r>
               <a:rPr lang="en-US" sz="1200" dirty="0" smtClean="0"/>
-              <a:t> on s</a:t>
-            </a:r>
-            <a:r>
-              <a:rPr lang="en-US" sz="1200" dirty="0" smtClean="0"/>
-              <a:t>uccess</a:t>
+              <a:t> on success</a:t>
             </a:r>
             <a:endParaRPr lang="en-US" sz="1200" dirty="0"/>
           </a:p>
@@ -6740,11 +6732,7 @@
             </a:r>
             <a:r>
               <a:rPr lang="en-US" dirty="0" err="1" smtClean="0"/>
-              <a:t>m(</a:t>
-            </a:r>
-            <a:r>
-              <a:rPr lang="en-US" dirty="0" err="1" smtClean="0"/>
-              <a:t>Θ</a:t>
+              <a:t>m(Θ</a:t>
             </a:r>
             <a:r>
               <a:rPr lang="en-US" dirty="0" smtClean="0"/>
@@ -6762,11 +6750,7 @@
             </a:r>
             <a:r>
               <a:rPr lang="en-US" dirty="0" err="1" smtClean="0"/>
-              <a:t>m(</a:t>
-            </a:r>
-            <a:r>
-              <a:rPr lang="en-US" dirty="0" err="1" smtClean="0"/>
-              <a:t>Θ</a:t>
+              <a:t>m(Θ</a:t>
             </a:r>
             <a:r>
               <a:rPr lang="en-US" dirty="0" smtClean="0"/>
@@ -6895,23 +6879,11 @@
             </a:r>
             <a:r>
               <a:rPr lang="en-US" sz="2000" dirty="0" err="1" smtClean="0"/>
-              <a:t>m(</a:t>
-            </a:r>
-            <a:r>
-              <a:rPr lang="en-US" sz="2000" dirty="0" err="1" smtClean="0"/>
-              <a:t>Θ</a:t>
+              <a:t>m(Θ</a:t>
             </a:r>
             <a:r>
               <a:rPr lang="en-US" sz="2000" dirty="0" smtClean="0"/>
-              <a:t>) is not defined, we compute it using the closest values in the map within the [Θ-π</a:t>
-            </a:r>
-            <a:r>
-              <a:rPr lang="en-US" sz="2000" dirty="0" smtClean="0"/>
-              <a:t>/2</a:t>
-            </a:r>
-            <a:r>
-              <a:rPr lang="en-US" sz="2000" dirty="0" smtClean="0"/>
-              <a:t> , Θ+π/2] range.</a:t>
+              <a:t>) is not defined, we compute it using the closest values in the map within the [Θ-π/2 , Θ+π/2] range.</a:t>
             </a:r>
           </a:p>
           <a:p>
@@ -7279,11 +7251,7 @@
             </a:r>
             <a:r>
               <a:rPr lang="en-US" sz="1200" dirty="0" err="1" smtClean="0"/>
-              <a:t>m(</a:t>
-            </a:r>
-            <a:r>
-              <a:rPr lang="en-US" sz="1200" dirty="0" err="1" smtClean="0"/>
-              <a:t>Θ</a:t>
+              <a:t>m(Θ</a:t>
             </a:r>
             <a:r>
               <a:rPr lang="en-US" sz="1200" i="1" dirty="0" smtClean="0"/>
@@ -8186,11 +8154,7 @@
             </a:r>
             <a:r>
               <a:rPr lang="en-US" dirty="0" err="1" smtClean="0"/>
-              <a:t>m(</a:t>
-            </a:r>
-            <a:r>
-              <a:rPr lang="en-US" dirty="0" err="1" smtClean="0"/>
-              <a:t>Θ</a:t>
+              <a:t>m(Θ</a:t>
             </a:r>
             <a:r>
               <a:rPr lang="en-US" dirty="0" smtClean="0"/>
@@ -8204,23 +8168,11 @@
             </a:pPr>
             <a:r>
               <a:rPr lang="en-US" dirty="0" smtClean="0"/>
-              <a:t>   N</a:t>
-            </a:r>
-            <a:r>
-              <a:rPr lang="en-US" dirty="0" smtClean="0"/>
-              <a:t>ew nodes </a:t>
-            </a:r>
-            <a:r>
-              <a:rPr lang="en-US" dirty="0" smtClean="0"/>
-              <a:t>inherit </a:t>
+              <a:t>   New nodes inherit </a:t>
             </a:r>
             <a:r>
               <a:rPr lang="en-US" dirty="0" err="1" smtClean="0"/>
-              <a:t>m(</a:t>
-            </a:r>
-            <a:r>
-              <a:rPr lang="en-US" dirty="0" err="1" smtClean="0"/>
-              <a:t>Θ</a:t>
+              <a:t>m(Θ</a:t>
             </a:r>
             <a:r>
               <a:rPr lang="en-US" dirty="0" smtClean="0"/>
@@ -8376,15 +8328,15 @@
       </p:sp>
       <p:graphicFrame>
         <p:nvGraphicFramePr>
-          <p:cNvPr id="4" name="Table 3"/>
+          <p:cNvPr id="5" name="Table 4"/>
           <p:cNvGraphicFramePr>
             <a:graphicFrameLocks noGrp="1"/>
           </p:cNvGraphicFramePr>
           <p:nvPr/>
         </p:nvGraphicFramePr>
         <p:xfrm>
-          <a:off x="1600200" y="3124200"/>
-          <a:ext cx="6096000" cy="3454400"/>
+          <a:off x="381000" y="3355848"/>
+          <a:ext cx="3962400" cy="2880361"/>
         </p:xfrm>
         <a:graphic>
           <a:graphicData uri="http://schemas.openxmlformats.org/drawingml/2006/table">
@@ -8393,12 +8345,1002 @@
                 <a:tableStyleId>{5C22544A-7EE6-4342-B048-85BDC9FD1C3A}</a:tableStyleId>
               </a:tblPr>
               <a:tblGrid>
-                <a:gridCol w="1524000"/>
-                <a:gridCol w="1524000"/>
-                <a:gridCol w="1524000"/>
-                <a:gridCol w="1524000"/>
+                <a:gridCol w="914400"/>
+                <a:gridCol w="1188098"/>
+                <a:gridCol w="889518"/>
+                <a:gridCol w="970384"/>
               </a:tblGrid>
-              <a:tr h="307340">
+              <a:tr h="862240">
+                <a:tc>
+                  <a:txBody>
+                    <a:bodyPr/>
+                    <a:lstStyle/>
+                    <a:p>
+                      <a:pPr algn="ctr"/>
+                      <a:r>
+                        <a:rPr lang="en-US" sz="1600" dirty="0" smtClean="0"/>
+                        <a:t>Alg.</a:t>
+                      </a:r>
+                      <a:endParaRPr lang="en-US" sz="1600" dirty="0"/>
+                    </a:p>
+                  </a:txBody>
+                  <a:tcPr/>
+                </a:tc>
+                <a:tc>
+                  <a:txBody>
+                    <a:bodyPr/>
+                    <a:lstStyle/>
+                    <a:p>
+                      <a:pPr algn="ctr"/>
+                      <a:r>
+                        <a:rPr lang="en-US" sz="1600" dirty="0" smtClean="0"/>
+                        <a:t>World</a:t>
+                      </a:r>
+                      <a:endParaRPr lang="en-US" sz="1600" dirty="0"/>
+                    </a:p>
+                  </a:txBody>
+                  <a:tcPr/>
+                </a:tc>
+                <a:tc>
+                  <a:txBody>
+                    <a:bodyPr/>
+                    <a:lstStyle/>
+                    <a:p>
+                      <a:pPr algn="ctr"/>
+                      <a:r>
+                        <a:rPr lang="en-US" sz="1600" dirty="0" smtClean="0"/>
+                        <a:t>Avg. Success</a:t>
+                      </a:r>
+                      <a:endParaRPr lang="en-US" sz="1600" dirty="0"/>
+                    </a:p>
+                  </a:txBody>
+                  <a:tcPr/>
+                </a:tc>
+                <a:tc>
+                  <a:txBody>
+                    <a:bodyPr/>
+                    <a:lstStyle/>
+                    <a:p>
+                      <a:pPr algn="ctr"/>
+                      <a:r>
+                        <a:rPr lang="en-US" sz="1600" dirty="0" err="1" smtClean="0"/>
+                        <a:t>Avg</a:t>
+                      </a:r>
+                      <a:r>
+                        <a:rPr lang="en-US" sz="1600" dirty="0" smtClean="0"/>
+                        <a:t> Time (ms)</a:t>
+                      </a:r>
+                      <a:endParaRPr lang="en-US" sz="1600" dirty="0"/>
+                    </a:p>
+                  </a:txBody>
+                  <a:tcPr/>
+                </a:tc>
+              </a:tr>
+              <a:tr h="672707">
+                <a:tc>
+                  <a:txBody>
+                    <a:bodyPr/>
+                    <a:lstStyle/>
+                    <a:p>
+                      <a:pPr algn="ctr"/>
+                      <a:r>
+                        <a:rPr lang="en-US" sz="1600" dirty="0" smtClean="0"/>
+                        <a:t>RRT</a:t>
+                      </a:r>
+                      <a:endParaRPr lang="en-US" sz="1600" dirty="0"/>
+                    </a:p>
+                  </a:txBody>
+                  <a:tcPr/>
+                </a:tc>
+                <a:tc>
+                  <a:txBody>
+                    <a:bodyPr/>
+                    <a:lstStyle/>
+                    <a:p>
+                      <a:pPr algn="ctr"/>
+                      <a:r>
+                        <a:rPr lang="en-US" sz="1600" dirty="0" smtClean="0"/>
+                        <a:t>obstructed</a:t>
+                      </a:r>
+                      <a:endParaRPr lang="en-US" sz="1600" dirty="0"/>
+                    </a:p>
+                  </a:txBody>
+                  <a:tcPr/>
+                </a:tc>
+                <a:tc>
+                  <a:txBody>
+                    <a:bodyPr/>
+                    <a:lstStyle/>
+                    <a:p>
+                      <a:pPr algn="ctr"/>
+                      <a:r>
+                        <a:rPr lang="en-US" sz="1600" dirty="0" smtClean="0"/>
+                        <a:t>95</a:t>
+                      </a:r>
+                      <a:r>
+                        <a:rPr lang="en-US" sz="1600" dirty="0" smtClean="0"/>
+                        <a:t>%</a:t>
+                      </a:r>
+                      <a:endParaRPr lang="en-US" sz="1600" dirty="0"/>
+                    </a:p>
+                  </a:txBody>
+                  <a:tcPr/>
+                </a:tc>
+                <a:tc>
+                  <a:txBody>
+                    <a:bodyPr/>
+                    <a:lstStyle/>
+                    <a:p>
+                      <a:pPr algn="ctr"/>
+                      <a:r>
+                        <a:rPr lang="en-US" sz="1600" dirty="0" smtClean="0"/>
+                        <a:t>12.0</a:t>
+                      </a:r>
+                      <a:endParaRPr lang="en-US" sz="1600" dirty="0"/>
+                    </a:p>
+                  </a:txBody>
+                  <a:tcPr/>
+                </a:tc>
+              </a:tr>
+              <a:tr h="672707">
+                <a:tc>
+                  <a:txBody>
+                    <a:bodyPr/>
+                    <a:lstStyle/>
+                    <a:p>
+                      <a:pPr algn="ctr"/>
+                      <a:r>
+                        <a:rPr lang="en-US" sz="1600" dirty="0" smtClean="0"/>
+                        <a:t>VLRRT</a:t>
+                      </a:r>
+                      <a:endParaRPr lang="en-US" sz="1600" dirty="0"/>
+                    </a:p>
+                  </a:txBody>
+                  <a:tcPr/>
+                </a:tc>
+                <a:tc>
+                  <a:txBody>
+                    <a:bodyPr/>
+                    <a:lstStyle/>
+                    <a:p>
+                      <a:pPr algn="ctr"/>
+                      <a:r>
+                        <a:rPr lang="en-US" sz="1600" dirty="0" smtClean="0"/>
+                        <a:t>obstructed</a:t>
+                      </a:r>
+                      <a:endParaRPr lang="en-US" sz="1600" dirty="0"/>
+                    </a:p>
+                  </a:txBody>
+                  <a:tcPr/>
+                </a:tc>
+                <a:tc>
+                  <a:txBody>
+                    <a:bodyPr/>
+                    <a:lstStyle/>
+                    <a:p>
+                      <a:pPr algn="ctr"/>
+                      <a:r>
+                        <a:rPr lang="en-US" sz="1600" dirty="0" smtClean="0"/>
+                        <a:t>96</a:t>
+                      </a:r>
+                      <a:r>
+                        <a:rPr lang="en-US" sz="1600" dirty="0" smtClean="0"/>
+                        <a:t>% (</a:t>
+                      </a:r>
+                      <a:r>
+                        <a:rPr lang="en-US" sz="1600" dirty="0" smtClean="0">
+                          <a:solidFill>
+                            <a:srgbClr val="008000"/>
+                          </a:solidFill>
+                        </a:rPr>
+                        <a:t>+</a:t>
+                      </a:r>
+                      <a:r>
+                        <a:rPr lang="en-US" sz="1600" dirty="0" smtClean="0"/>
+                        <a:t>1%)</a:t>
+                      </a:r>
+                      <a:endParaRPr lang="en-US" sz="1600" dirty="0"/>
+                    </a:p>
+                  </a:txBody>
+                  <a:tcPr/>
+                </a:tc>
+                <a:tc>
+                  <a:txBody>
+                    <a:bodyPr/>
+                    <a:lstStyle/>
+                    <a:p>
+                      <a:pPr algn="ctr"/>
+                      <a:r>
+                        <a:rPr lang="en-US" sz="1600" dirty="0" smtClean="0"/>
+                        <a:t>13.3 (</a:t>
+                      </a:r>
+                      <a:r>
+                        <a:rPr lang="en-US" sz="1600" dirty="0" smtClean="0">
+                          <a:solidFill>
+                            <a:srgbClr val="FF0000"/>
+                          </a:solidFill>
+                        </a:rPr>
+                        <a:t>+</a:t>
+                      </a:r>
+                      <a:r>
+                        <a:rPr lang="en-US" sz="1600" dirty="0" smtClean="0"/>
+                        <a:t>1.3)</a:t>
+                      </a:r>
+                      <a:endParaRPr lang="en-US" sz="1600" dirty="0"/>
+                    </a:p>
+                  </a:txBody>
+                  <a:tcPr/>
+                </a:tc>
+              </a:tr>
+              <a:tr h="672707">
+                <a:tc>
+                  <a:txBody>
+                    <a:bodyPr/>
+                    <a:lstStyle/>
+                    <a:p>
+                      <a:pPr algn="ctr"/>
+                      <a:r>
+                        <a:rPr lang="en-US" sz="1600" dirty="0" smtClean="0"/>
+                        <a:t>DVLRRT</a:t>
+                      </a:r>
+                      <a:endParaRPr lang="en-US" sz="1600" dirty="0"/>
+                    </a:p>
+                  </a:txBody>
+                  <a:tcPr/>
+                </a:tc>
+                <a:tc>
+                  <a:txBody>
+                    <a:bodyPr/>
+                    <a:lstStyle/>
+                    <a:p>
+                      <a:pPr algn="ctr"/>
+                      <a:r>
+                        <a:rPr lang="en-US" sz="1600" dirty="0" smtClean="0"/>
+                        <a:t>obstructed</a:t>
+                      </a:r>
+                      <a:endParaRPr lang="en-US" sz="1600" dirty="0"/>
+                    </a:p>
+                  </a:txBody>
+                  <a:tcPr/>
+                </a:tc>
+                <a:tc>
+                  <a:txBody>
+                    <a:bodyPr/>
+                    <a:lstStyle/>
+                    <a:p>
+                      <a:pPr algn="ctr"/>
+                      <a:r>
+                        <a:rPr lang="en-US" sz="1600" dirty="0" smtClean="0"/>
+                        <a:t>96</a:t>
+                      </a:r>
+                      <a:r>
+                        <a:rPr lang="en-US" sz="1600" dirty="0" smtClean="0"/>
+                        <a:t>% (</a:t>
+                      </a:r>
+                      <a:r>
+                        <a:rPr lang="en-US" sz="1600" dirty="0" smtClean="0">
+                          <a:solidFill>
+                            <a:srgbClr val="008000"/>
+                          </a:solidFill>
+                        </a:rPr>
+                        <a:t>+</a:t>
+                      </a:r>
+                      <a:r>
+                        <a:rPr lang="en-US" sz="1600" dirty="0" smtClean="0"/>
+                        <a:t>1%)</a:t>
+                      </a:r>
+                      <a:endParaRPr lang="en-US" sz="1600" dirty="0"/>
+                    </a:p>
+                  </a:txBody>
+                  <a:tcPr/>
+                </a:tc>
+                <a:tc>
+                  <a:txBody>
+                    <a:bodyPr/>
+                    <a:lstStyle/>
+                    <a:p>
+                      <a:pPr algn="ctr"/>
+                      <a:r>
+                        <a:rPr lang="en-US" sz="1600" dirty="0" smtClean="0"/>
+                        <a:t>13.4 (</a:t>
+                      </a:r>
+                      <a:r>
+                        <a:rPr lang="en-US" sz="1600" dirty="0" smtClean="0">
+                          <a:solidFill>
+                            <a:srgbClr val="FF0000"/>
+                          </a:solidFill>
+                        </a:rPr>
+                        <a:t>+</a:t>
+                      </a:r>
+                      <a:r>
+                        <a:rPr lang="en-US" sz="1600" dirty="0" smtClean="0"/>
+                        <a:t>1.4)</a:t>
+                      </a:r>
+                      <a:endParaRPr lang="en-US" sz="1600" dirty="0"/>
+                    </a:p>
+                  </a:txBody>
+                  <a:tcPr/>
+                </a:tc>
+              </a:tr>
+            </a:tbl>
+          </a:graphicData>
+        </a:graphic>
+      </p:graphicFrame>
+      <p:pic>
+        <p:nvPicPr>
+          <p:cNvPr id="9" name="Picture 8" descr="world3.png"/>
+          <p:cNvPicPr>
+            <a:picLocks noChangeAspect="1"/>
+          </p:cNvPicPr>
+          <p:nvPr/>
+        </p:nvPicPr>
+        <p:blipFill>
+          <a:blip r:embed="rId2"/>
+          <a:stretch>
+            <a:fillRect/>
+          </a:stretch>
+        </p:blipFill>
+        <p:spPr>
+          <a:xfrm>
+            <a:off x="4572000" y="3505200"/>
+            <a:ext cx="4267200" cy="2560320"/>
+          </a:xfrm>
+          <a:prstGeom prst="rect">
+            <a:avLst/>
+          </a:prstGeom>
+          <a:ln w="127000" cap="sq">
+            <a:solidFill>
+              <a:srgbClr val="000000"/>
+            </a:solidFill>
+            <a:miter lim="800000"/>
+          </a:ln>
+          <a:effectLst>
+            <a:outerShdw blurRad="57150" dist="50800" dir="2700000" algn="tl" rotWithShape="0">
+              <a:srgbClr val="000000">
+                <a:alpha val="40000"/>
+              </a:srgbClr>
+            </a:outerShdw>
+          </a:effectLst>
+        </p:spPr>
+      </p:pic>
+    </p:spTree>
+  </p:cSld>
+  <p:clrMapOvr>
+    <a:masterClrMapping/>
+  </p:clrMapOvr>
+  <p:timing>
+    <p:tnLst>
+      <p:par>
+        <p:cTn id="1" dur="indefinite" restart="never" nodeType="tmRoot"/>
+      </p:par>
+    </p:tnLst>
+  </p:timing>
+</p:sld>
+</file>
+
+<file path=ppt/slides/slide6.xml><?xml version="1.0" encoding="utf-8"?>
+<p:sld xmlns:a="http://schemas.openxmlformats.org/drawingml/2006/main" xmlns:r="http://schemas.openxmlformats.org/officeDocument/2006/relationships" xmlns:mc="http://schemas.openxmlformats.org/markup-compatibility/2006" xmlns:mv="urn:schemas-microsoft-com:mac:vml" xmlns:p="http://schemas.openxmlformats.org/presentationml/2006/main" mc:Ignorable="mv" mc:PreserveAttributes="mv:*">
+  <p:cSld>
+    <p:spTree>
+      <p:nvGrpSpPr>
+        <p:cNvPr id="1" name=""/>
+        <p:cNvGrpSpPr/>
+        <p:nvPr/>
+      </p:nvGrpSpPr>
+      <p:grpSpPr>
+        <a:xfrm>
+          <a:off x="0" y="0"/>
+          <a:ext cx="0" cy="0"/>
+          <a:chOff x="0" y="0"/>
+          <a:chExt cx="0" cy="0"/>
+        </a:xfrm>
+      </p:grpSpPr>
+      <p:sp>
+        <p:nvSpPr>
+          <p:cNvPr id="2" name="Title 1"/>
+          <p:cNvSpPr>
+            <a:spLocks noGrp="1"/>
+          </p:cNvSpPr>
+          <p:nvPr>
+            <p:ph type="title"/>
+          </p:nvPr>
+        </p:nvSpPr>
+        <p:spPr/>
+        <p:txBody>
+          <a:bodyPr/>
+          <a:lstStyle/>
+          <a:p>
+            <a:r>
+              <a:rPr lang="en-US" dirty="0" smtClean="0"/>
+              <a:t>Evaluating VL and DVLRRT</a:t>
+            </a:r>
+            <a:endParaRPr lang="en-US" dirty="0"/>
+          </a:p>
+        </p:txBody>
+      </p:sp>
+      <p:sp>
+        <p:nvSpPr>
+          <p:cNvPr id="3" name="Content Placeholder 2"/>
+          <p:cNvSpPr>
+            <a:spLocks noGrp="1"/>
+          </p:cNvSpPr>
+          <p:nvPr>
+            <p:ph idx="1"/>
+          </p:nvPr>
+        </p:nvSpPr>
+        <p:spPr>
+          <a:xfrm>
+            <a:off x="457200" y="1417638"/>
+            <a:ext cx="8229600" cy="2895599"/>
+          </a:xfrm>
+        </p:spPr>
+        <p:txBody>
+          <a:bodyPr>
+            <a:normAutofit/>
+          </a:bodyPr>
+          <a:lstStyle/>
+          <a:p>
+            <a:r>
+              <a:rPr lang="en-US" sz="2000" dirty="0" smtClean="0"/>
+              <a:t>We have yet to specify how to increase and decrease </a:t>
+            </a:r>
+            <a:r>
+              <a:rPr lang="en-US" sz="2000" dirty="0" err="1" smtClean="0"/>
+              <a:t>ε</a:t>
+            </a:r>
+            <a:r>
+              <a:rPr lang="en-US" sz="2000" dirty="0" smtClean="0"/>
+              <a:t> values:</a:t>
+            </a:r>
+          </a:p>
+          <a:p>
+            <a:pPr lvl="1"/>
+            <a:r>
+              <a:rPr lang="en-US" sz="1600" dirty="0" smtClean="0"/>
+              <a:t>Empirical results show best performance with a high increase rate and a higher decrease rate.</a:t>
+            </a:r>
+          </a:p>
+          <a:p>
+            <a:r>
+              <a:rPr lang="en-US" sz="2000" dirty="0" smtClean="0"/>
+              <a:t>We compared the performance of our algorithms with RRT in terms of running time and success in reaching the goal in several worlds:</a:t>
+            </a:r>
+          </a:p>
+          <a:p>
+            <a:pPr>
+              <a:buNone/>
+            </a:pPr>
+            <a:endParaRPr lang="en-US" sz="2000" dirty="0" smtClean="0"/>
+          </a:p>
+          <a:p>
+            <a:pPr>
+              <a:buNone/>
+            </a:pPr>
+            <a:r>
+              <a:rPr lang="en-US" sz="1600" dirty="0" smtClean="0"/>
+              <a:t> </a:t>
+            </a:r>
+          </a:p>
+        </p:txBody>
+      </p:sp>
+      <p:graphicFrame>
+        <p:nvGraphicFramePr>
+          <p:cNvPr id="6" name="Table 5"/>
+          <p:cNvGraphicFramePr>
+            <a:graphicFrameLocks noGrp="1"/>
+          </p:cNvGraphicFramePr>
+          <p:nvPr/>
+        </p:nvGraphicFramePr>
+        <p:xfrm>
+          <a:off x="457200" y="3352800"/>
+          <a:ext cx="3352800" cy="2880360"/>
+        </p:xfrm>
+        <a:graphic>
+          <a:graphicData uri="http://schemas.openxmlformats.org/drawingml/2006/table">
+            <a:tbl>
+              <a:tblPr firstRow="1" bandRow="1">
+                <a:tableStyleId>{5C22544A-7EE6-4342-B048-85BDC9FD1C3A}</a:tableStyleId>
+              </a:tblPr>
+              <a:tblGrid>
+                <a:gridCol w="838200"/>
+                <a:gridCol w="838200"/>
+                <a:gridCol w="838200"/>
+                <a:gridCol w="838200"/>
+              </a:tblGrid>
+              <a:tr h="685800">
+                <a:tc>
+                  <a:txBody>
+                    <a:bodyPr/>
+                    <a:lstStyle/>
+                    <a:p>
+                      <a:pPr algn="ctr"/>
+                      <a:r>
+                        <a:rPr lang="en-US" sz="1600" dirty="0" smtClean="0"/>
+                        <a:t>Alg.</a:t>
+                      </a:r>
+                      <a:endParaRPr lang="en-US" sz="1600" dirty="0"/>
+                    </a:p>
+                  </a:txBody>
+                  <a:tcPr/>
+                </a:tc>
+                <a:tc>
+                  <a:txBody>
+                    <a:bodyPr/>
+                    <a:lstStyle/>
+                    <a:p>
+                      <a:pPr algn="ctr"/>
+                      <a:r>
+                        <a:rPr lang="en-US" sz="1600" dirty="0" smtClean="0"/>
+                        <a:t>World</a:t>
+                      </a:r>
+                      <a:endParaRPr lang="en-US" sz="1600" dirty="0"/>
+                    </a:p>
+                  </a:txBody>
+                  <a:tcPr/>
+                </a:tc>
+                <a:tc>
+                  <a:txBody>
+                    <a:bodyPr/>
+                    <a:lstStyle/>
+                    <a:p>
+                      <a:pPr algn="ctr"/>
+                      <a:r>
+                        <a:rPr lang="en-US" sz="1600" dirty="0" smtClean="0"/>
+                        <a:t>Avg. Success</a:t>
+                      </a:r>
+                      <a:endParaRPr lang="en-US" sz="1600" dirty="0"/>
+                    </a:p>
+                  </a:txBody>
+                  <a:tcPr/>
+                </a:tc>
+                <a:tc>
+                  <a:txBody>
+                    <a:bodyPr/>
+                    <a:lstStyle/>
+                    <a:p>
+                      <a:pPr algn="ctr"/>
+                      <a:r>
+                        <a:rPr lang="en-US" sz="1600" dirty="0" smtClean="0"/>
+                        <a:t>Avg. </a:t>
+                      </a:r>
+                      <a:r>
+                        <a:rPr lang="en-US" sz="1600" dirty="0" smtClean="0"/>
+                        <a:t>Time (ms)</a:t>
+                      </a:r>
+                      <a:endParaRPr lang="en-US" sz="1600" dirty="0"/>
+                    </a:p>
+                  </a:txBody>
+                  <a:tcPr/>
+                </a:tc>
+              </a:tr>
+              <a:tr h="685800">
+                <a:tc>
+                  <a:txBody>
+                    <a:bodyPr/>
+                    <a:lstStyle/>
+                    <a:p>
+                      <a:pPr algn="ctr"/>
+                      <a:r>
+                        <a:rPr lang="en-US" sz="1600" dirty="0" smtClean="0"/>
+                        <a:t>RRT</a:t>
+                      </a:r>
+                      <a:endParaRPr lang="en-US" sz="1600" dirty="0"/>
+                    </a:p>
+                  </a:txBody>
+                  <a:tcPr/>
+                </a:tc>
+                <a:tc>
+                  <a:txBody>
+                    <a:bodyPr/>
+                    <a:lstStyle/>
+                    <a:p>
+                      <a:pPr algn="ctr"/>
+                      <a:r>
+                        <a:rPr lang="en-US" sz="1600" dirty="0" smtClean="0"/>
+                        <a:t>maze</a:t>
+                      </a:r>
+                      <a:endParaRPr lang="en-US" sz="1600" dirty="0"/>
+                    </a:p>
+                  </a:txBody>
+                  <a:tcPr/>
+                </a:tc>
+                <a:tc>
+                  <a:txBody>
+                    <a:bodyPr/>
+                    <a:lstStyle/>
+                    <a:p>
+                      <a:pPr algn="ctr"/>
+                      <a:r>
+                        <a:rPr lang="en-US" sz="1600" dirty="0" smtClean="0"/>
+                        <a:t>91%</a:t>
+                      </a:r>
+                      <a:endParaRPr lang="en-US" sz="1600" dirty="0"/>
+                    </a:p>
+                  </a:txBody>
+                  <a:tcPr/>
+                </a:tc>
+                <a:tc>
+                  <a:txBody>
+                    <a:bodyPr/>
+                    <a:lstStyle/>
+                    <a:p>
+                      <a:pPr algn="ctr"/>
+                      <a:r>
+                        <a:rPr lang="en-US" sz="1600" dirty="0" smtClean="0"/>
+                        <a:t>17.2</a:t>
+                      </a:r>
+                      <a:endParaRPr lang="en-US" sz="1600" dirty="0"/>
+                    </a:p>
+                  </a:txBody>
+                  <a:tcPr/>
+                </a:tc>
+              </a:tr>
+              <a:tr h="685800">
+                <a:tc>
+                  <a:txBody>
+                    <a:bodyPr/>
+                    <a:lstStyle/>
+                    <a:p>
+                      <a:pPr algn="ctr"/>
+                      <a:r>
+                        <a:rPr lang="en-US" sz="1600" dirty="0" smtClean="0"/>
+                        <a:t>VLRRT</a:t>
+                      </a:r>
+                      <a:endParaRPr lang="en-US" sz="1600" dirty="0"/>
+                    </a:p>
+                  </a:txBody>
+                  <a:tcPr/>
+                </a:tc>
+                <a:tc>
+                  <a:txBody>
+                    <a:bodyPr/>
+                    <a:lstStyle/>
+                    <a:p>
+                      <a:pPr algn="ctr"/>
+                      <a:r>
+                        <a:rPr lang="en-US" sz="1600" dirty="0" smtClean="0"/>
+                        <a:t>maze</a:t>
+                      </a:r>
+                      <a:endParaRPr lang="en-US" sz="1600" dirty="0"/>
+                    </a:p>
+                  </a:txBody>
+                  <a:tcPr/>
+                </a:tc>
+                <a:tc>
+                  <a:txBody>
+                    <a:bodyPr/>
+                    <a:lstStyle/>
+                    <a:p>
+                      <a:pPr algn="ctr"/>
+                      <a:r>
+                        <a:rPr lang="en-US" sz="1600" dirty="0" smtClean="0"/>
+                        <a:t>99</a:t>
+                      </a:r>
+                      <a:r>
+                        <a:rPr lang="en-US" sz="1600" dirty="0" smtClean="0"/>
+                        <a:t>% (</a:t>
+                      </a:r>
+                      <a:r>
+                        <a:rPr lang="en-US" sz="1600" dirty="0" smtClean="0">
+                          <a:solidFill>
+                            <a:srgbClr val="008000"/>
+                          </a:solidFill>
+                        </a:rPr>
+                        <a:t>+</a:t>
+                      </a:r>
+                      <a:r>
+                        <a:rPr lang="en-US" sz="1600" dirty="0" smtClean="0"/>
+                        <a:t>9%)</a:t>
+                      </a:r>
+                      <a:endParaRPr lang="en-US" sz="1600" dirty="0"/>
+                    </a:p>
+                  </a:txBody>
+                  <a:tcPr/>
+                </a:tc>
+                <a:tc>
+                  <a:txBody>
+                    <a:bodyPr/>
+                    <a:lstStyle/>
+                    <a:p>
+                      <a:pPr algn="ctr"/>
+                      <a:r>
+                        <a:rPr lang="en-US" sz="1600" dirty="0" smtClean="0"/>
+                        <a:t>10.6 (</a:t>
+                      </a:r>
+                      <a:r>
+                        <a:rPr lang="en-US" sz="1600" dirty="0" smtClean="0">
+                          <a:solidFill>
+                            <a:srgbClr val="008000"/>
+                          </a:solidFill>
+                        </a:rPr>
+                        <a:t>-</a:t>
+                      </a:r>
+                      <a:r>
+                        <a:rPr lang="en-US" sz="1600" dirty="0" smtClean="0"/>
+                        <a:t>6.6)</a:t>
+                      </a:r>
+                      <a:endParaRPr lang="en-US" sz="1600" dirty="0"/>
+                    </a:p>
+                  </a:txBody>
+                  <a:tcPr/>
+                </a:tc>
+              </a:tr>
+              <a:tr h="685800">
+                <a:tc>
+                  <a:txBody>
+                    <a:bodyPr/>
+                    <a:lstStyle/>
+                    <a:p>
+                      <a:pPr algn="ctr"/>
+                      <a:r>
+                        <a:rPr lang="en-US" sz="1600" dirty="0" smtClean="0"/>
+                        <a:t>DVLRRT</a:t>
+                      </a:r>
+                      <a:endParaRPr lang="en-US" sz="1600" dirty="0"/>
+                    </a:p>
+                  </a:txBody>
+                  <a:tcPr/>
+                </a:tc>
+                <a:tc>
+                  <a:txBody>
+                    <a:bodyPr/>
+                    <a:lstStyle/>
+                    <a:p>
+                      <a:pPr algn="ctr"/>
+                      <a:r>
+                        <a:rPr lang="en-US" sz="1600" dirty="0" smtClean="0"/>
+                        <a:t>maze</a:t>
+                      </a:r>
+                      <a:endParaRPr lang="en-US" sz="1600" dirty="0"/>
+                    </a:p>
+                  </a:txBody>
+                  <a:tcPr/>
+                </a:tc>
+                <a:tc>
+                  <a:txBody>
+                    <a:bodyPr/>
+                    <a:lstStyle/>
+                    <a:p>
+                      <a:pPr algn="ctr"/>
+                      <a:r>
+                        <a:rPr lang="en-US" sz="1600" dirty="0" smtClean="0"/>
+                        <a:t>99</a:t>
+                      </a:r>
+                      <a:r>
+                        <a:rPr lang="en-US" sz="1600" dirty="0" smtClean="0"/>
+                        <a:t>% (</a:t>
+                      </a:r>
+                      <a:r>
+                        <a:rPr lang="en-US" sz="1600" smtClean="0">
+                          <a:solidFill>
+                            <a:srgbClr val="008000"/>
+                          </a:solidFill>
+                        </a:rPr>
+                        <a:t>+</a:t>
+                      </a:r>
+                      <a:r>
+                        <a:rPr lang="en-US" sz="1600" smtClean="0"/>
+                        <a:t>9%)</a:t>
+                      </a:r>
+                      <a:endParaRPr lang="en-US" sz="1600" dirty="0"/>
+                    </a:p>
+                  </a:txBody>
+                  <a:tcPr/>
+                </a:tc>
+                <a:tc>
+                  <a:txBody>
+                    <a:bodyPr/>
+                    <a:lstStyle/>
+                    <a:p>
+                      <a:pPr algn="ctr"/>
+                      <a:r>
+                        <a:rPr lang="en-US" sz="1600" dirty="0" smtClean="0"/>
+                        <a:t>10.6 (</a:t>
+                      </a:r>
+                      <a:r>
+                        <a:rPr lang="en-US" sz="1600" dirty="0" smtClean="0">
+                          <a:solidFill>
+                            <a:srgbClr val="008000"/>
+                          </a:solidFill>
+                        </a:rPr>
+                        <a:t>-</a:t>
+                      </a:r>
+                      <a:r>
+                        <a:rPr lang="en-US" sz="1600" dirty="0" smtClean="0"/>
+                        <a:t>6.6)</a:t>
+                      </a:r>
+                      <a:endParaRPr lang="en-US" sz="1600" dirty="0"/>
+                    </a:p>
+                  </a:txBody>
+                  <a:tcPr/>
+                </a:tc>
+              </a:tr>
+            </a:tbl>
+          </a:graphicData>
+        </a:graphic>
+      </p:graphicFrame>
+      <p:pic>
+        <p:nvPicPr>
+          <p:cNvPr id="8" name="Picture 7" descr="world1.png"/>
+          <p:cNvPicPr>
+            <a:picLocks noChangeAspect="1"/>
+          </p:cNvPicPr>
+          <p:nvPr/>
+        </p:nvPicPr>
+        <p:blipFill>
+          <a:blip r:embed="rId2"/>
+          <a:stretch>
+            <a:fillRect/>
+          </a:stretch>
+        </p:blipFill>
+        <p:spPr>
+          <a:xfrm>
+            <a:off x="4101533" y="3429000"/>
+            <a:ext cx="4585267" cy="2743200"/>
+          </a:xfrm>
+          <a:prstGeom prst="rect">
+            <a:avLst/>
+          </a:prstGeom>
+          <a:ln w="127000" cap="sq">
+            <a:solidFill>
+              <a:srgbClr val="000000"/>
+            </a:solidFill>
+            <a:miter lim="800000"/>
+          </a:ln>
+          <a:effectLst>
+            <a:outerShdw blurRad="57150" dist="50800" dir="2700000" algn="tl" rotWithShape="0">
+              <a:srgbClr val="000000">
+                <a:alpha val="40000"/>
+              </a:srgbClr>
+            </a:outerShdw>
+          </a:effectLst>
+        </p:spPr>
+      </p:pic>
+    </p:spTree>
+  </p:cSld>
+  <p:clrMapOvr>
+    <a:masterClrMapping/>
+  </p:clrMapOvr>
+  <p:timing>
+    <p:tnLst>
+      <p:par>
+        <p:cTn id="1" dur="indefinite" restart="never" nodeType="tmRoot"/>
+      </p:par>
+    </p:tnLst>
+  </p:timing>
+</p:sld>
+</file>
+
+<file path=ppt/slides/slide7.xml><?xml version="1.0" encoding="utf-8"?>
+<p:sld xmlns:a="http://schemas.openxmlformats.org/drawingml/2006/main" xmlns:r="http://schemas.openxmlformats.org/officeDocument/2006/relationships" xmlns:mc="http://schemas.openxmlformats.org/markup-compatibility/2006" xmlns:mv="urn:schemas-microsoft-com:mac:vml" xmlns:p="http://schemas.openxmlformats.org/presentationml/2006/main" mc:Ignorable="mv" mc:PreserveAttributes="mv:*">
+  <p:cSld>
+    <p:spTree>
+      <p:nvGrpSpPr>
+        <p:cNvPr id="1" name=""/>
+        <p:cNvGrpSpPr/>
+        <p:nvPr/>
+      </p:nvGrpSpPr>
+      <p:grpSpPr>
+        <a:xfrm>
+          <a:off x="0" y="0"/>
+          <a:ext cx="0" cy="0"/>
+          <a:chOff x="0" y="0"/>
+          <a:chExt cx="0" cy="0"/>
+        </a:xfrm>
+      </p:grpSpPr>
+      <p:sp>
+        <p:nvSpPr>
+          <p:cNvPr id="2" name="Title 1"/>
+          <p:cNvSpPr>
+            <a:spLocks noGrp="1"/>
+          </p:cNvSpPr>
+          <p:nvPr>
+            <p:ph type="title"/>
+          </p:nvPr>
+        </p:nvSpPr>
+        <p:spPr/>
+        <p:txBody>
+          <a:bodyPr/>
+          <a:lstStyle/>
+          <a:p>
+            <a:r>
+              <a:rPr lang="en-US" dirty="0" smtClean="0"/>
+              <a:t>Evaluating VL and DVLRRT</a:t>
+            </a:r>
+            <a:endParaRPr lang="en-US" dirty="0"/>
+          </a:p>
+        </p:txBody>
+      </p:sp>
+      <p:sp>
+        <p:nvSpPr>
+          <p:cNvPr id="3" name="Content Placeholder 2"/>
+          <p:cNvSpPr>
+            <a:spLocks noGrp="1"/>
+          </p:cNvSpPr>
+          <p:nvPr>
+            <p:ph idx="1"/>
+          </p:nvPr>
+        </p:nvSpPr>
+        <p:spPr>
+          <a:xfrm>
+            <a:off x="457200" y="1417638"/>
+            <a:ext cx="8229600" cy="2895599"/>
+          </a:xfrm>
+        </p:spPr>
+        <p:txBody>
+          <a:bodyPr>
+            <a:normAutofit/>
+          </a:bodyPr>
+          <a:lstStyle/>
+          <a:p>
+            <a:r>
+              <a:rPr lang="en-US" sz="2000" dirty="0" smtClean="0"/>
+              <a:t>We have yet to specify how to increase and decrease </a:t>
+            </a:r>
+            <a:r>
+              <a:rPr lang="en-US" sz="2000" dirty="0" err="1" smtClean="0"/>
+              <a:t>ε</a:t>
+            </a:r>
+            <a:r>
+              <a:rPr lang="en-US" sz="2000" dirty="0" smtClean="0"/>
+              <a:t> values:</a:t>
+            </a:r>
+          </a:p>
+          <a:p>
+            <a:pPr lvl="1"/>
+            <a:r>
+              <a:rPr lang="en-US" sz="1600" dirty="0" smtClean="0"/>
+              <a:t>Empirical results show best performance with a high increase rate and a higher decrease rate.</a:t>
+            </a:r>
+          </a:p>
+          <a:p>
+            <a:r>
+              <a:rPr lang="en-US" sz="2000" dirty="0" smtClean="0"/>
+              <a:t>We compared the performance of our algorithms with RRT in terms of running time and success in reaching the goal in several worlds:</a:t>
+            </a:r>
+          </a:p>
+          <a:p>
+            <a:pPr>
+              <a:buNone/>
+            </a:pPr>
+            <a:endParaRPr lang="en-US" sz="2000" dirty="0" smtClean="0"/>
+          </a:p>
+          <a:p>
+            <a:pPr>
+              <a:buNone/>
+            </a:pPr>
+            <a:r>
+              <a:rPr lang="en-US" sz="1600" dirty="0" smtClean="0"/>
+              <a:t> </a:t>
+            </a:r>
+          </a:p>
+        </p:txBody>
+      </p:sp>
+      <p:graphicFrame>
+        <p:nvGraphicFramePr>
+          <p:cNvPr id="7" name="Table 6"/>
+          <p:cNvGraphicFramePr>
+            <a:graphicFrameLocks noGrp="1"/>
+          </p:cNvGraphicFramePr>
+          <p:nvPr/>
+        </p:nvGraphicFramePr>
+        <p:xfrm>
+          <a:off x="228600" y="3571987"/>
+          <a:ext cx="4191000" cy="2438400"/>
+        </p:xfrm>
+        <a:graphic>
+          <a:graphicData uri="http://schemas.openxmlformats.org/drawingml/2006/table">
+            <a:tbl>
+              <a:tblPr firstRow="1" bandRow="1">
+                <a:tableStyleId>{5C22544A-7EE6-4342-B048-85BDC9FD1C3A}</a:tableStyleId>
+              </a:tblPr>
+              <a:tblGrid>
+                <a:gridCol w="1047750"/>
+                <a:gridCol w="1047750"/>
+                <a:gridCol w="1047750"/>
+                <a:gridCol w="1047750"/>
+              </a:tblGrid>
+              <a:tr h="609600">
                 <a:tc>
                   <a:txBody>
                     <a:bodyPr/>
@@ -8464,382 +9406,7 @@
                   <a:tcPr/>
                 </a:tc>
               </a:tr>
-              <a:tr h="331709">
-                <a:tc>
-                  <a:txBody>
-                    <a:bodyPr/>
-                    <a:lstStyle/>
-                    <a:p>
-                      <a:pPr algn="ctr"/>
-                      <a:r>
-                        <a:rPr lang="en-US" sz="1600" dirty="0" smtClean="0"/>
-                        <a:t>RRT</a:t>
-                      </a:r>
-                      <a:endParaRPr lang="en-US" sz="1600" dirty="0"/>
-                    </a:p>
-                  </a:txBody>
-                  <a:tcPr/>
-                </a:tc>
-                <a:tc>
-                  <a:txBody>
-                    <a:bodyPr/>
-                    <a:lstStyle/>
-                    <a:p>
-                      <a:pPr algn="ctr"/>
-                      <a:r>
-                        <a:rPr lang="en-US" sz="1600" dirty="0" smtClean="0"/>
-                        <a:t>obstructed</a:t>
-                      </a:r>
-                      <a:endParaRPr lang="en-US" sz="1600" dirty="0"/>
-                    </a:p>
-                  </a:txBody>
-                  <a:tcPr/>
-                </a:tc>
-                <a:tc>
-                  <a:txBody>
-                    <a:bodyPr/>
-                    <a:lstStyle/>
-                    <a:p>
-                      <a:pPr algn="ctr"/>
-                      <a:r>
-                        <a:rPr lang="en-US" sz="1600" dirty="0" smtClean="0"/>
-                        <a:t>95%</a:t>
-                      </a:r>
-                      <a:endParaRPr lang="en-US" sz="1600" dirty="0"/>
-                    </a:p>
-                  </a:txBody>
-                  <a:tcPr/>
-                </a:tc>
-                <a:tc>
-                  <a:txBody>
-                    <a:bodyPr/>
-                    <a:lstStyle/>
-                    <a:p>
-                      <a:pPr algn="ctr"/>
-                      <a:r>
-                        <a:rPr lang="en-US" sz="1600" dirty="0" smtClean="0"/>
-                        <a:t>12.0</a:t>
-                      </a:r>
-                    </a:p>
-                    <a:p>
-                      <a:pPr algn="ctr"/>
-                      <a:endParaRPr lang="en-US" sz="1600" dirty="0"/>
-                    </a:p>
-                  </a:txBody>
-                  <a:tcPr/>
-                </a:tc>
-              </a:tr>
-              <a:tr h="331709">
-                <a:tc>
-                  <a:txBody>
-                    <a:bodyPr/>
-                    <a:lstStyle/>
-                    <a:p>
-                      <a:pPr algn="ctr"/>
-                      <a:r>
-                        <a:rPr lang="en-US" sz="1600" dirty="0" smtClean="0"/>
-                        <a:t>VLRRT</a:t>
-                      </a:r>
-                      <a:endParaRPr lang="en-US" sz="1600" dirty="0"/>
-                    </a:p>
-                  </a:txBody>
-                  <a:tcPr/>
-                </a:tc>
-                <a:tc>
-                  <a:txBody>
-                    <a:bodyPr/>
-                    <a:lstStyle/>
-                    <a:p>
-                      <a:pPr algn="ctr"/>
-                      <a:r>
-                        <a:rPr lang="en-US" sz="1600" dirty="0" smtClean="0"/>
-                        <a:t>obstructed</a:t>
-                      </a:r>
-                      <a:endParaRPr lang="en-US" sz="1600" dirty="0"/>
-                    </a:p>
-                  </a:txBody>
-                  <a:tcPr/>
-                </a:tc>
-                <a:tc>
-                  <a:txBody>
-                    <a:bodyPr/>
-                    <a:lstStyle/>
-                    <a:p>
-                      <a:pPr algn="ctr"/>
-                      <a:r>
-                        <a:rPr lang="en-US" sz="1600" dirty="0" smtClean="0"/>
-                        <a:t>96%</a:t>
-                      </a:r>
-                      <a:endParaRPr lang="en-US" sz="1600" dirty="0"/>
-                    </a:p>
-                  </a:txBody>
-                  <a:tcPr/>
-                </a:tc>
-                <a:tc>
-                  <a:txBody>
-                    <a:bodyPr/>
-                    <a:lstStyle/>
-                    <a:p>
-                      <a:pPr algn="ctr"/>
-                      <a:r>
-                        <a:rPr lang="en-US" sz="1600" dirty="0" smtClean="0"/>
-                        <a:t>13.3</a:t>
-                      </a:r>
-                      <a:endParaRPr lang="en-US" sz="1600" dirty="0"/>
-                    </a:p>
-                  </a:txBody>
-                  <a:tcPr/>
-                </a:tc>
-              </a:tr>
-              <a:tr h="331709">
-                <a:tc>
-                  <a:txBody>
-                    <a:bodyPr/>
-                    <a:lstStyle/>
-                    <a:p>
-                      <a:pPr algn="ctr"/>
-                      <a:r>
-                        <a:rPr lang="en-US" sz="1600" dirty="0" smtClean="0"/>
-                        <a:t>DVLRRT</a:t>
-                      </a:r>
-                      <a:endParaRPr lang="en-US" sz="1600" dirty="0"/>
-                    </a:p>
-                  </a:txBody>
-                  <a:tcPr/>
-                </a:tc>
-                <a:tc>
-                  <a:txBody>
-                    <a:bodyPr/>
-                    <a:lstStyle/>
-                    <a:p>
-                      <a:pPr algn="ctr"/>
-                      <a:r>
-                        <a:rPr lang="en-US" sz="1600" dirty="0" smtClean="0"/>
-                        <a:t>obstructed</a:t>
-                      </a:r>
-                      <a:endParaRPr lang="en-US" sz="1600" dirty="0"/>
-                    </a:p>
-                  </a:txBody>
-                  <a:tcPr/>
-                </a:tc>
-                <a:tc>
-                  <a:txBody>
-                    <a:bodyPr/>
-                    <a:lstStyle/>
-                    <a:p>
-                      <a:pPr algn="ctr"/>
-                      <a:r>
-                        <a:rPr lang="en-US" sz="1600" dirty="0" smtClean="0"/>
-                        <a:t>96%</a:t>
-                      </a:r>
-                      <a:endParaRPr lang="en-US" sz="1600" dirty="0"/>
-                    </a:p>
-                  </a:txBody>
-                  <a:tcPr/>
-                </a:tc>
-                <a:tc>
-                  <a:txBody>
-                    <a:bodyPr/>
-                    <a:lstStyle/>
-                    <a:p>
-                      <a:pPr algn="ctr"/>
-                      <a:r>
-                        <a:rPr lang="en-US" sz="1600" dirty="0" smtClean="0"/>
-                        <a:t>13.4</a:t>
-                      </a:r>
-                      <a:endParaRPr lang="en-US" sz="1600" dirty="0"/>
-                    </a:p>
-                  </a:txBody>
-                  <a:tcPr/>
-                </a:tc>
-              </a:tr>
-              <a:tr h="218441">
-                <a:tc>
-                  <a:txBody>
-                    <a:bodyPr/>
-                    <a:lstStyle/>
-                    <a:p>
-                      <a:pPr algn="ctr"/>
-                      <a:r>
-                        <a:rPr lang="en-US" sz="1600" smtClean="0"/>
-                        <a:t>RRT</a:t>
-                      </a:r>
-                      <a:endParaRPr lang="en-US" sz="1600" dirty="0"/>
-                    </a:p>
-                  </a:txBody>
-                  <a:tcPr/>
-                </a:tc>
-                <a:tc>
-                  <a:txBody>
-                    <a:bodyPr/>
-                    <a:lstStyle/>
-                    <a:p>
-                      <a:pPr algn="ctr"/>
-                      <a:r>
-                        <a:rPr lang="en-US" sz="1600" dirty="0" smtClean="0"/>
-                        <a:t>maze</a:t>
-                      </a:r>
-                      <a:endParaRPr lang="en-US" sz="1600" dirty="0"/>
-                    </a:p>
-                  </a:txBody>
-                  <a:tcPr/>
-                </a:tc>
-                <a:tc>
-                  <a:txBody>
-                    <a:bodyPr/>
-                    <a:lstStyle/>
-                    <a:p>
-                      <a:pPr algn="ctr"/>
-                      <a:r>
-                        <a:rPr lang="en-US" sz="1600" dirty="0" smtClean="0"/>
-                        <a:t>91%</a:t>
-                      </a:r>
-                      <a:endParaRPr lang="en-US" sz="1600" dirty="0"/>
-                    </a:p>
-                  </a:txBody>
-                  <a:tcPr/>
-                </a:tc>
-                <a:tc>
-                  <a:txBody>
-                    <a:bodyPr/>
-                    <a:lstStyle/>
-                    <a:p>
-                      <a:pPr algn="ctr"/>
-                      <a:r>
-                        <a:rPr lang="en-US" sz="1600" dirty="0" smtClean="0"/>
-                        <a:t>17.2</a:t>
-                      </a:r>
-                      <a:endParaRPr lang="en-US" sz="1600" dirty="0"/>
-                    </a:p>
-                  </a:txBody>
-                  <a:tcPr/>
-                </a:tc>
-              </a:tr>
-              <a:tr h="245387">
-                <a:tc>
-                  <a:txBody>
-                    <a:bodyPr/>
-                    <a:lstStyle/>
-                    <a:p>
-                      <a:pPr algn="ctr"/>
-                      <a:r>
-                        <a:rPr lang="en-US" sz="1600" dirty="0" smtClean="0"/>
-                        <a:t>VLRRT</a:t>
-                      </a:r>
-                      <a:endParaRPr lang="en-US" sz="1600" dirty="0"/>
-                    </a:p>
-                  </a:txBody>
-                  <a:tcPr/>
-                </a:tc>
-                <a:tc>
-                  <a:txBody>
-                    <a:bodyPr/>
-                    <a:lstStyle/>
-                    <a:p>
-                      <a:pPr algn="ctr"/>
-                      <a:r>
-                        <a:rPr lang="en-US" sz="1600" dirty="0" smtClean="0"/>
-                        <a:t>maze</a:t>
-                      </a:r>
-                      <a:endParaRPr lang="en-US" sz="1600" dirty="0"/>
-                    </a:p>
-                  </a:txBody>
-                  <a:tcPr/>
-                </a:tc>
-                <a:tc>
-                  <a:txBody>
-                    <a:bodyPr/>
-                    <a:lstStyle/>
-                    <a:p>
-                      <a:pPr algn="ctr"/>
-                      <a:r>
-                        <a:rPr lang="en-US" sz="1600" dirty="0" smtClean="0"/>
-                        <a:t>99%</a:t>
-                      </a:r>
-                      <a:endParaRPr lang="en-US" sz="1600" dirty="0"/>
-                    </a:p>
-                  </a:txBody>
-                  <a:tcPr/>
-                </a:tc>
-                <a:tc>
-                  <a:txBody>
-                    <a:bodyPr/>
-                    <a:lstStyle/>
-                    <a:p>
-                      <a:pPr algn="ctr"/>
-                      <a:r>
-                        <a:rPr lang="en-US" sz="1600" smtClean="0"/>
-                        <a:t>10.6</a:t>
-                      </a:r>
-                      <a:endParaRPr lang="en-US" sz="1600" dirty="0"/>
-                    </a:p>
-                  </a:txBody>
-                  <a:tcPr/>
-                </a:tc>
-              </a:tr>
-              <a:tr h="245387">
-                <a:tc>
-                  <a:txBody>
-                    <a:bodyPr/>
-                    <a:lstStyle/>
-                    <a:p>
-                      <a:pPr algn="ctr"/>
-                      <a:r>
-                        <a:rPr lang="en-US" sz="1600" dirty="0" smtClean="0"/>
-                        <a:t>DVLRRT</a:t>
-                      </a:r>
-                      <a:endParaRPr lang="en-US" sz="1600" dirty="0"/>
-                    </a:p>
-                  </a:txBody>
-                  <a:tcPr/>
-                </a:tc>
-                <a:tc>
-                  <a:txBody>
-                    <a:bodyPr/>
-                    <a:lstStyle/>
-                    <a:p>
-                      <a:pPr algn="ctr"/>
-                      <a:r>
-                        <a:rPr lang="en-US" sz="1600" dirty="0" smtClean="0"/>
-                        <a:t>maze</a:t>
-                      </a:r>
-                      <a:endParaRPr lang="en-US" sz="1600" dirty="0"/>
-                    </a:p>
-                  </a:txBody>
-                  <a:tcPr/>
-                </a:tc>
-                <a:tc>
-                  <a:txBody>
-                    <a:bodyPr/>
-                    <a:lstStyle/>
-                    <a:p>
-                      <a:pPr algn="ctr"/>
-                      <a:r>
-                        <a:rPr lang="en-US" sz="1600" dirty="0" smtClean="0"/>
-                        <a:t>99%</a:t>
-                      </a:r>
-                      <a:endParaRPr lang="en-US" sz="1600" dirty="0"/>
-                    </a:p>
-                  </a:txBody>
-                  <a:tcPr/>
-                </a:tc>
-                <a:tc>
-                  <a:txBody>
-                    <a:bodyPr/>
-                    <a:lstStyle/>
-                    <a:p>
-                      <a:pPr algn="ctr"/>
-                      <a:r>
-                        <a:rPr lang="en-US" sz="1600" dirty="0" smtClean="0"/>
-                        <a:t>10.6</a:t>
-                      </a:r>
-                      <a:endParaRPr lang="en-US" sz="1600" dirty="0"/>
-                    </a:p>
-                  </a:txBody>
-                  <a:tcPr/>
-                </a:tc>
-              </a:tr>
-              <a:tr h="245387">
+              <a:tr h="609600">
                 <a:tc>
                   <a:txBody>
                     <a:bodyPr/>
@@ -8878,7 +9445,11 @@
                       <a:pPr algn="ctr"/>
                       <a:r>
                         <a:rPr lang="en-US" sz="1600" dirty="0" smtClean="0"/>
-                        <a:t>33%</a:t>
+                        <a:t>33</a:t>
+                      </a:r>
+                      <a:r>
+                        <a:rPr lang="en-US" sz="1600" dirty="0" smtClean="0"/>
+                        <a:t>%</a:t>
                       </a:r>
                       <a:endParaRPr lang="en-US" sz="1600" dirty="0"/>
                     </a:p>
@@ -8901,7 +9472,7 @@
                   <a:tcPr/>
                 </a:tc>
               </a:tr>
-              <a:tr h="245387">
+              <a:tr h="609600">
                 <a:tc>
                   <a:txBody>
                     <a:bodyPr/>
@@ -8940,7 +9511,23 @@
                       <a:pPr algn="ctr"/>
                       <a:r>
                         <a:rPr lang="en-US" sz="1600" dirty="0" smtClean="0"/>
-                        <a:t>60%</a:t>
+                        <a:t>60</a:t>
+                      </a:r>
+                      <a:r>
+                        <a:rPr lang="en-US" sz="1600" dirty="0" smtClean="0"/>
+                        <a:t>% (</a:t>
+                      </a:r>
+                      <a:r>
+                        <a:rPr lang="en-US" sz="1600" dirty="0" smtClean="0">
+                          <a:solidFill>
+                            <a:srgbClr val="008000"/>
+                          </a:solidFill>
+                        </a:rPr>
+                        <a:t>+</a:t>
+                      </a:r>
+                      <a:r>
+                        <a:rPr lang="en-US" sz="1600" dirty="0" smtClean="0"/>
+                        <a:t>27%)</a:t>
                       </a:r>
                       <a:endParaRPr lang="en-US" sz="1600" dirty="0"/>
                     </a:p>
@@ -8955,7 +9542,26 @@
                       <a:pPr algn="ctr"/>
                       <a:r>
                         <a:rPr lang="en-US" sz="1600" dirty="0" smtClean="0"/>
-                        <a:t>33.6</a:t>
+                        <a:t>33.6 </a:t>
+                      </a:r>
+                    </a:p>
+                    <a:p>
+                      <a:pPr algn="ctr"/>
+                      <a:r>
+                        <a:rPr lang="en-US" sz="1600" dirty="0" smtClean="0"/>
+                        <a:t>(</a:t>
+                      </a:r>
+                      <a:r>
+                        <a:rPr lang="en-US" sz="1600" dirty="0" smtClean="0">
+                          <a:solidFill>
+                            <a:srgbClr val="008000"/>
+                          </a:solidFill>
+                        </a:rPr>
+                        <a:t>-</a:t>
+                      </a:r>
+                      <a:r>
+                        <a:rPr lang="en-US" sz="1600" dirty="0" smtClean="0"/>
+                        <a:t>5.6) </a:t>
                       </a:r>
                       <a:endParaRPr lang="en-US" sz="1600" dirty="0"/>
                     </a:p>
@@ -8963,7 +9569,7 @@
                   <a:tcPr/>
                 </a:tc>
               </a:tr>
-              <a:tr h="331709">
+              <a:tr h="609600">
                 <a:tc>
                   <a:txBody>
                     <a:bodyPr/>
@@ -9002,7 +9608,23 @@
                       <a:pPr algn="ctr"/>
                       <a:r>
                         <a:rPr lang="en-US" sz="1600" dirty="0" smtClean="0"/>
-                        <a:t>60%</a:t>
+                        <a:t>60</a:t>
+                      </a:r>
+                      <a:r>
+                        <a:rPr lang="en-US" sz="1600" dirty="0" smtClean="0"/>
+                        <a:t>% (</a:t>
+                      </a:r>
+                      <a:r>
+                        <a:rPr lang="en-US" sz="1600" dirty="0" smtClean="0">
+                          <a:solidFill>
+                            <a:srgbClr val="008000"/>
+                          </a:solidFill>
+                        </a:rPr>
+                        <a:t>+</a:t>
+                      </a:r>
+                      <a:r>
+                        <a:rPr lang="en-US" sz="1600" dirty="0" smtClean="0"/>
+                        <a:t>27%)</a:t>
                       </a:r>
                       <a:endParaRPr lang="en-US" sz="1600" dirty="0"/>
                     </a:p>
@@ -9017,9 +9639,27 @@
                       <a:pPr algn="ctr"/>
                       <a:r>
                         <a:rPr lang="en-US" sz="1600" dirty="0" smtClean="0"/>
-                        <a:t>33.7</a:t>
+                        <a:t>33.7 </a:t>
                       </a:r>
-                      <a:endParaRPr lang="en-US" sz="1600" dirty="0"/>
+                    </a:p>
+                    <a:p>
+                      <a:pPr algn="ctr"/>
+                      <a:r>
+                        <a:rPr lang="en-US" sz="1600" dirty="0" smtClean="0"/>
+                        <a:t>(</a:t>
+                      </a:r>
+                      <a:r>
+                        <a:rPr lang="en-US" sz="1600" dirty="0" smtClean="0">
+                          <a:solidFill>
+                            <a:srgbClr val="008000"/>
+                          </a:solidFill>
+                        </a:rPr>
+                        <a:t>-</a:t>
+                      </a:r>
+                      <a:r>
+                        <a:rPr lang="en-US" sz="1600" dirty="0" smtClean="0"/>
+                        <a:t>5.5)</a:t>
+                      </a:r>
                     </a:p>
                   </a:txBody>
                   <a:tcPr/>
@@ -9029,127 +9669,43 @@
           </a:graphicData>
         </a:graphic>
       </p:graphicFrame>
-    </p:spTree>
-  </p:cSld>
-  <p:clrMapOvr>
-    <a:masterClrMapping/>
-  </p:clrMapOvr>
-  <p:timing>
-    <p:tnLst>
-      <p:par>
-        <p:cTn id="1" dur="indefinite" restart="never" nodeType="tmRoot"/>
-      </p:par>
-    </p:tnLst>
-  </p:timing>
-</p:sld>
-</file>
-
-<file path=ppt/slides/slide6.xml><?xml version="1.0" encoding="utf-8"?>
-<p:sld xmlns:a="http://schemas.openxmlformats.org/drawingml/2006/main" xmlns:r="http://schemas.openxmlformats.org/officeDocument/2006/relationships" xmlns:mc="http://schemas.openxmlformats.org/markup-compatibility/2006" xmlns:mv="urn:schemas-microsoft-com:mac:vml" xmlns:p="http://schemas.openxmlformats.org/presentationml/2006/main" mc:Ignorable="mv" mc:PreserveAttributes="mv:*">
-  <p:cSld>
-    <p:spTree>
-      <p:nvGrpSpPr>
-        <p:cNvPr id="1" name=""/>
-        <p:cNvGrpSpPr/>
-        <p:nvPr/>
-      </p:nvGrpSpPr>
-      <p:grpSpPr>
-        <a:xfrm>
-          <a:off x="0" y="0"/>
-          <a:ext cx="0" cy="0"/>
-          <a:chOff x="0" y="0"/>
-          <a:chExt cx="0" cy="0"/>
-        </a:xfrm>
-      </p:grpSpPr>
-      <p:sp>
-        <p:nvSpPr>
-          <p:cNvPr id="2" name="Title 1"/>
-          <p:cNvSpPr>
-            <a:spLocks noGrp="1"/>
-          </p:cNvSpPr>
-          <p:nvPr>
-            <p:ph type="title"/>
-          </p:nvPr>
-        </p:nvSpPr>
-        <p:spPr/>
-        <p:txBody>
-          <a:bodyPr/>
-          <a:lstStyle/>
-          <a:p>
-            <a:r>
-              <a:rPr lang="en-US" dirty="0" smtClean="0"/>
-              <a:t>Evaluating VL and DVLRRT</a:t>
-            </a:r>
-            <a:endParaRPr lang="en-US" dirty="0"/>
-          </a:p>
-        </p:txBody>
-      </p:sp>
-      <p:sp>
-        <p:nvSpPr>
-          <p:cNvPr id="3" name="Content Placeholder 2"/>
-          <p:cNvSpPr>
-            <a:spLocks noGrp="1"/>
-          </p:cNvSpPr>
-          <p:nvPr>
-            <p:ph idx="1"/>
-          </p:nvPr>
-        </p:nvSpPr>
-        <p:spPr>
-          <a:xfrm>
-            <a:off x="457200" y="1600201"/>
-            <a:ext cx="8229600" cy="2590800"/>
-          </a:xfrm>
-        </p:spPr>
-        <p:txBody>
-          <a:bodyPr>
-            <a:normAutofit/>
-          </a:bodyPr>
-          <a:lstStyle/>
-          <a:p>
-            <a:r>
-              <a:rPr lang="en-US" sz="2000" dirty="0" smtClean="0"/>
-              <a:t>The data shows that our algorithms perform similarly in worlds where RRT performs well</a:t>
-            </a:r>
-          </a:p>
-          <a:p>
-            <a:r>
-              <a:rPr lang="en-US" sz="2000" dirty="0" smtClean="0"/>
-              <a:t>Our algorithms outperform RRT in situations where it does not fare well!</a:t>
-            </a:r>
-          </a:p>
-          <a:p>
-            <a:r>
-              <a:rPr lang="en-US" sz="2000" dirty="0" smtClean="0"/>
-              <a:t>Adapting by using the information collected over time is better for planning.</a:t>
-            </a:r>
-          </a:p>
-          <a:p>
-            <a:r>
-              <a:rPr lang="en-US" sz="2000" dirty="0" smtClean="0"/>
-              <a:t>Can we obtain similar gains in </a:t>
-            </a:r>
-            <a:r>
-              <a:rPr lang="en-US" sz="2000" dirty="0" err="1" smtClean="0"/>
-              <a:t>replanning</a:t>
-            </a:r>
-            <a:r>
-              <a:rPr lang="en-US" sz="2000" dirty="0" smtClean="0"/>
-              <a:t>? How can we use the gathered data to inform </a:t>
-            </a:r>
-            <a:r>
-              <a:rPr lang="en-US" sz="2000" dirty="0" err="1" smtClean="0"/>
-              <a:t>replanning</a:t>
-            </a:r>
-            <a:r>
-              <a:rPr lang="en-US" sz="2000" dirty="0" smtClean="0"/>
-              <a:t>?</a:t>
-            </a:r>
-          </a:p>
-          <a:p>
-            <a:endParaRPr lang="en-US" sz="2000" dirty="0"/>
-          </a:p>
-        </p:txBody>
-      </p:sp>
+      <p:pic>
+        <p:nvPicPr>
+          <p:cNvPr id="9" name="Picture 8" descr="world2.png"/>
+          <p:cNvPicPr>
+            <a:picLocks noChangeAspect="1"/>
+          </p:cNvPicPr>
+          <p:nvPr/>
+        </p:nvPicPr>
+        <p:blipFill>
+          <a:blip r:embed="rId2"/>
+          <a:stretch>
+            <a:fillRect/>
+          </a:stretch>
+        </p:blipFill>
+        <p:spPr>
+          <a:xfrm>
+            <a:off x="4648200" y="3584311"/>
+            <a:ext cx="4191000" cy="2511689"/>
+          </a:xfrm>
+          <a:prstGeom prst="rect">
+            <a:avLst/>
+          </a:prstGeom>
+          <a:ln w="127000" cap="sq">
+            <a:solidFill>
+              <a:srgbClr val="000000"/>
+            </a:solidFill>
+            <a:miter lim="800000"/>
+          </a:ln>
+          <a:effectLst>
+            <a:outerShdw blurRad="57150" dist="50800" dir="2700000" algn="tl" rotWithShape="0">
+              <a:srgbClr val="000000">
+                <a:alpha val="40000"/>
+              </a:srgbClr>
+            </a:outerShdw>
+          </a:effectLst>
+        </p:spPr>
+      </p:pic>
     </p:spTree>
   </p:cSld>
   <p:clrMapOvr>
